--- a/syllabus/26_intégration_JSON/syllabus_26_json.pptx
+++ b/syllabus/26_intégration_JSON/syllabus_26_json.pptx
@@ -288,7 +288,7 @@
           <a:p>
             <a:fld id="{FCE9742F-4DAE-47F5-9244-6ACC3985DD6B}" type="datetimeFigureOut">
               <a:rPr lang="fr-BE" smtClean="0"/>
-              <a:t>27-02-24</a:t>
+              <a:t>23-10-24</a:t>
             </a:fld>
             <a:endParaRPr lang="fr-BE"/>
           </a:p>
@@ -6796,7 +6796,11 @@
               <a:buNone/>
             </a:pPr>
             <a:r>
-              <a:rPr lang="fr-BE" sz="2400"/>
+              <a:rPr lang="fr-BE" sz="2400">
+                <a:solidFill>
+                  <a:schemeClr val="accent2"/>
+                </a:solidFill>
+              </a:rPr>
               <a:t>26. Données JSON</a:t>
             </a:r>
           </a:p>
@@ -6819,7 +6823,7 @@
         <p14:reveal/>
       </p:transition>
     </mc:Choice>
-    <mc:Fallback xmlns="" xmlns:mv="urn:schemas-microsoft-com:mac:vml" xmlns:c="http://schemas.openxmlformats.org/drawingml/2006/chart" xmlns:dgm="http://schemas.openxmlformats.org/drawingml/2006/diagram" xmlns:o="urn:schemas-microsoft-com:office:office" xmlns:v="urn:schemas-microsoft-com:vml" xmlns:pvml="urn:schemas-microsoft-com:office:powerpoint" xmlns:com="http://schemas.openxmlformats.org/drawingml/2006/compatibility" xmlns:p15="http://schemas.microsoft.com/office/powerpoint/2012/main" xmlns:ahyp="http://schemas.microsoft.com/office/drawing/2018/hyperlinkcolor">
+    <mc:Fallback xmlns:ahyp="http://schemas.microsoft.com/office/drawing/2018/hyperlinkcolor" xmlns:p15="http://schemas.microsoft.com/office/powerpoint/2012/main" xmlns:com="http://schemas.openxmlformats.org/drawingml/2006/compatibility" xmlns:pvml="urn:schemas-microsoft-com:office:powerpoint" xmlns:v="urn:schemas-microsoft-com:vml" xmlns:o="urn:schemas-microsoft-com:office:office" xmlns:dgm="http://schemas.openxmlformats.org/drawingml/2006/diagram" xmlns:c="http://schemas.openxmlformats.org/drawingml/2006/chart" xmlns:mv="urn:schemas-microsoft-com:mac:vml" xmlns="">
       <p:transition spd="med">
         <p:fade/>
       </p:transition>
@@ -7418,41 +7422,66 @@
         </p:nvSpPr>
         <p:spPr>
           <a:xfrm>
-            <a:off x="1097280" y="1690689"/>
-            <a:ext cx="4638040" cy="4486276"/>
+            <a:off x="838200" y="1715136"/>
+            <a:ext cx="4841240" cy="4380864"/>
           </a:xfrm>
         </p:spPr>
         <p:txBody>
           <a:bodyPr>
-            <a:normAutofit fontScale="92500" lnSpcReduction="20000"/>
+            <a:normAutofit fontScale="92500"/>
           </a:bodyPr>
           <a:lstStyle/>
           <a:p>
-            <a:pPr marL="742950" indent="-742950">
+            <a:pPr marL="355600" indent="-355600">
+              <a:lnSpc>
+                <a:spcPct val="110000"/>
+              </a:lnSpc>
               <a:buFont typeface="+mj-lt"/>
               <a:buAutoNum type="arabicPeriod"/>
             </a:pPr>
             <a:r>
               <a:rPr lang="fr-BE"/>
-              <a:t>Une collection de paires &lt;nom&gt; / &lt;valeur&gt;</a:t>
-            </a:r>
-          </a:p>
-          <a:p>
-            <a:pPr lvl="1"/>
-            <a:r>
-              <a:rPr lang="fr-BE"/>
-              <a:t>// structure, dictionnaire, table de hachage, liste à clés ou tableau associatif</a:t>
-            </a:r>
-          </a:p>
-          <a:p>
-            <a:pPr lvl="1"/>
-            <a:r>
-              <a:rPr lang="fr-BE"/>
-              <a:t>Début :  		</a:t>
-            </a:r>
+              <a:t>Une collection de paires </a:t>
+            </a:r>
+            <a:br>
+              <a:rPr lang="fr-BE"/>
+            </a:br>
             <a:r>
               <a:rPr lang="fr-BE">
                 <a:solidFill>
+                  <a:schemeClr val="accent6">
+                    <a:lumMod val="50000"/>
+                  </a:schemeClr>
+                </a:solidFill>
+                <a:latin typeface="Consolas" panose="020B0609020204030204" pitchFamily="49" charset="0"/>
+              </a:rPr>
+              <a:t>&lt;nom&gt; / &lt;valeur&gt;</a:t>
+            </a:r>
+          </a:p>
+          <a:p>
+            <a:pPr lvl="1">
+              <a:lnSpc>
+                <a:spcPct val="110000"/>
+              </a:lnSpc>
+            </a:pPr>
+            <a:r>
+              <a:rPr lang="fr-BE"/>
+              <a:t>// tableau associatif, dict.</a:t>
+            </a:r>
+          </a:p>
+          <a:p>
+            <a:pPr lvl="1">
+              <a:lnSpc>
+                <a:spcPct val="110000"/>
+              </a:lnSpc>
+            </a:pPr>
+            <a:r>
+              <a:rPr lang="fr-BE"/>
+              <a:t>Début :  	</a:t>
+            </a:r>
+            <a:r>
+              <a:rPr lang="fr-BE">
+                <a:solidFill>
                   <a:schemeClr val="accent2"/>
                 </a:solidFill>
               </a:rPr>
@@ -7461,10 +7490,14 @@
             <a:endParaRPr lang="fr-BE"/>
           </a:p>
           <a:p>
-            <a:pPr lvl="1"/>
-            <a:r>
-              <a:rPr lang="fr-BE"/>
-              <a:t>Fin : 			</a:t>
+            <a:pPr lvl="1">
+              <a:lnSpc>
+                <a:spcPct val="110000"/>
+              </a:lnSpc>
+            </a:pPr>
+            <a:r>
+              <a:rPr lang="fr-BE"/>
+              <a:t>Fin : 		</a:t>
             </a:r>
             <a:r>
               <a:rPr lang="fr-BE">
@@ -7477,26 +7510,60 @@
             <a:endParaRPr lang="fr-BE"/>
           </a:p>
           <a:p>
-            <a:pPr lvl="1"/>
-            <a:r>
-              <a:rPr lang="fr-BE"/>
-              <a:t>Entre &lt;nom&gt; et &lt;valeur&gt;:		</a:t>
-            </a:r>
+            <a:pPr lvl="1">
+              <a:lnSpc>
+                <a:spcPct val="110000"/>
+              </a:lnSpc>
+            </a:pPr>
             <a:r>
               <a:rPr lang="fr-BE">
                 <a:solidFill>
+                  <a:schemeClr val="accent6">
+                    <a:lumMod val="50000"/>
+                  </a:schemeClr>
+                </a:solidFill>
+                <a:latin typeface="Consolas" panose="020B0609020204030204" pitchFamily="49" charset="0"/>
+              </a:rPr>
+              <a:t>&lt;nom&gt;</a:t>
+            </a:r>
+            <a:r>
+              <a:rPr lang="fr-BE"/>
+              <a:t>   </a:t>
+            </a:r>
+            <a:r>
+              <a:rPr lang="fr-BE">
+                <a:solidFill>
                   <a:schemeClr val="accent2"/>
                 </a:solidFill>
               </a:rPr>
               <a:t>:</a:t>
             </a:r>
+            <a:r>
+              <a:rPr lang="fr-BE"/>
+              <a:t>   </a:t>
+            </a:r>
+            <a:r>
+              <a:rPr lang="fr-BE">
+                <a:solidFill>
+                  <a:schemeClr val="accent6">
+                    <a:lumMod val="50000"/>
+                  </a:schemeClr>
+                </a:solidFill>
+                <a:latin typeface="Consolas" panose="020B0609020204030204" pitchFamily="49" charset="0"/>
+              </a:rPr>
+              <a:t>&lt;valeur&gt;</a:t>
+            </a:r>
             <a:endParaRPr lang="fr-BE"/>
           </a:p>
           <a:p>
-            <a:pPr lvl="1"/>
-            <a:r>
-              <a:rPr lang="fr-BE"/>
-              <a:t>Séparateur : 		</a:t>
+            <a:pPr lvl="1">
+              <a:lnSpc>
+                <a:spcPct val="110000"/>
+              </a:lnSpc>
+            </a:pPr>
+            <a:r>
+              <a:rPr lang="fr-BE"/>
+              <a:t>Séparateur : 	</a:t>
             </a:r>
             <a:r>
               <a:rPr lang="fr-BE">
@@ -7853,7 +7920,10 @@
           </a:bodyPr>
           <a:lstStyle/>
           <a:p>
-            <a:pPr marL="742950" indent="-742950">
+            <a:pPr marL="355600" indent="-355600">
+              <a:lnSpc>
+                <a:spcPct val="100000"/>
+              </a:lnSpc>
               <a:buFont typeface="+mj-lt"/>
               <a:buAutoNum type="arabicPeriod" startAt="2"/>
             </a:pPr>
@@ -7863,14 +7933,22 @@
             </a:r>
           </a:p>
           <a:p>
-            <a:pPr lvl="1"/>
-            <a:r>
-              <a:rPr lang="fr-BE"/>
-              <a:t>// tableau, vecteur, liste, séquence</a:t>
-            </a:r>
-          </a:p>
-          <a:p>
-            <a:pPr lvl="1"/>
+            <a:pPr lvl="1">
+              <a:lnSpc>
+                <a:spcPct val="100000"/>
+              </a:lnSpc>
+            </a:pPr>
+            <a:r>
+              <a:rPr lang="fr-BE"/>
+              <a:t>// tableau, liste</a:t>
+            </a:r>
+          </a:p>
+          <a:p>
+            <a:pPr lvl="1">
+              <a:lnSpc>
+                <a:spcPct val="100000"/>
+              </a:lnSpc>
+            </a:pPr>
             <a:r>
               <a:rPr lang="fr-BE"/>
               <a:t>Début : 	</a:t>
@@ -7885,7 +7963,11 @@
             </a:r>
           </a:p>
           <a:p>
-            <a:pPr lvl="1"/>
+            <a:pPr lvl="1">
+              <a:lnSpc>
+                <a:spcPct val="100000"/>
+              </a:lnSpc>
+            </a:pPr>
             <a:r>
               <a:rPr lang="fr-BE"/>
               <a:t>Fin : 		</a:t>
@@ -7900,7 +7982,11 @@
             </a:r>
           </a:p>
           <a:p>
-            <a:pPr lvl="1"/>
+            <a:pPr lvl="1">
+              <a:lnSpc>
+                <a:spcPct val="100000"/>
+              </a:lnSpc>
+            </a:pPr>
             <a:r>
               <a:rPr lang="fr-BE"/>
               <a:t>Séparateur : 	</a:t>
@@ -7915,9 +8001,19 @@
             </a:r>
           </a:p>
           <a:p>
+            <a:pPr>
+              <a:lnSpc>
+                <a:spcPct val="100000"/>
+              </a:lnSpc>
+            </a:pPr>
             <a:endParaRPr lang="fr-BE"/>
           </a:p>
           <a:p>
+            <a:pPr>
+              <a:lnSpc>
+                <a:spcPct val="100000"/>
+              </a:lnSpc>
+            </a:pPr>
             <a:endParaRPr lang="fr-BE"/>
           </a:p>
         </p:txBody>
